--- a/images/theory_analysis/CORS/CORS.pptx
+++ b/images/theory_analysis/CORS/CORS.pptx
@@ -5,12 +5,13 @@
     <p:sldMasterId id="2147483648" r:id="rId1"/>
   </p:sldMasterIdLst>
   <p:notesMasterIdLst>
-    <p:notesMasterId r:id="rId5"/>
+    <p:notesMasterId r:id="rId6"/>
   </p:notesMasterIdLst>
   <p:sldIdLst>
     <p:sldId id="362" r:id="rId2"/>
     <p:sldId id="363" r:id="rId3"/>
-    <p:sldId id="361" r:id="rId4"/>
+    <p:sldId id="364" r:id="rId4"/>
+    <p:sldId id="361" r:id="rId5"/>
   </p:sldIdLst>
   <p:sldSz cx="9144000" cy="5143500" type="screen16x9"/>
   <p:notesSz cx="6858000" cy="9144000"/>
@@ -215,7 +216,7 @@
           <a:p>
             <a:fld id="{6CD5550B-26C4-49A9-A5BA-636EF7BE6CE9}" type="datetimeFigureOut">
               <a:rPr lang="ko-KR" altLang="en-US" smtClean="0"/>
-              <a:t>2021-12-31</a:t>
+              <a:t>2022-01-01</a:t>
             </a:fld>
             <a:endParaRPr lang="ko-KR" altLang="en-US"/>
           </a:p>
@@ -661,7 +662,7 @@
           <a:p>
             <a:fld id="{FB30EDBD-1C2D-4C1E-B459-B60219FAB484}" type="datetimeFigureOut">
               <a:rPr lang="ko-KR" altLang="en-US" smtClean="0"/>
-              <a:t>2021-12-31</a:t>
+              <a:t>2022-01-01</a:t>
             </a:fld>
             <a:endParaRPr lang="ko-KR" altLang="en-US"/>
           </a:p>
@@ -824,7 +825,7 @@
           <a:p>
             <a:fld id="{FB30EDBD-1C2D-4C1E-B459-B60219FAB484}" type="datetimeFigureOut">
               <a:rPr lang="ko-KR" altLang="en-US" smtClean="0"/>
-              <a:t>2021-12-31</a:t>
+              <a:t>2022-01-01</a:t>
             </a:fld>
             <a:endParaRPr lang="ko-KR" altLang="en-US"/>
           </a:p>
@@ -997,7 +998,7 @@
           <a:p>
             <a:fld id="{FB30EDBD-1C2D-4C1E-B459-B60219FAB484}" type="datetimeFigureOut">
               <a:rPr lang="ko-KR" altLang="en-US" smtClean="0"/>
-              <a:t>2021-12-31</a:t>
+              <a:t>2022-01-01</a:t>
             </a:fld>
             <a:endParaRPr lang="ko-KR" altLang="en-US"/>
           </a:p>
@@ -1160,7 +1161,7 @@
           <a:p>
             <a:fld id="{FB30EDBD-1C2D-4C1E-B459-B60219FAB484}" type="datetimeFigureOut">
               <a:rPr lang="ko-KR" altLang="en-US" smtClean="0"/>
-              <a:t>2021-12-31</a:t>
+              <a:t>2022-01-01</a:t>
             </a:fld>
             <a:endParaRPr lang="ko-KR" altLang="en-US"/>
           </a:p>
@@ -1400,7 +1401,7 @@
           <a:p>
             <a:fld id="{FB30EDBD-1C2D-4C1E-B459-B60219FAB484}" type="datetimeFigureOut">
               <a:rPr lang="ko-KR" altLang="en-US" smtClean="0"/>
-              <a:t>2021-12-31</a:t>
+              <a:t>2022-01-01</a:t>
             </a:fld>
             <a:endParaRPr lang="ko-KR" altLang="en-US"/>
           </a:p>
@@ -1680,7 +1681,7 @@
           <a:p>
             <a:fld id="{FB30EDBD-1C2D-4C1E-B459-B60219FAB484}" type="datetimeFigureOut">
               <a:rPr lang="ko-KR" altLang="en-US" smtClean="0"/>
-              <a:t>2021-12-31</a:t>
+              <a:t>2022-01-01</a:t>
             </a:fld>
             <a:endParaRPr lang="ko-KR" altLang="en-US"/>
           </a:p>
@@ -2094,7 +2095,7 @@
           <a:p>
             <a:fld id="{FB30EDBD-1C2D-4C1E-B459-B60219FAB484}" type="datetimeFigureOut">
               <a:rPr lang="ko-KR" altLang="en-US" smtClean="0"/>
-              <a:t>2021-12-31</a:t>
+              <a:t>2022-01-01</a:t>
             </a:fld>
             <a:endParaRPr lang="ko-KR" altLang="en-US"/>
           </a:p>
@@ -2206,7 +2207,7 @@
           <a:p>
             <a:fld id="{FB30EDBD-1C2D-4C1E-B459-B60219FAB484}" type="datetimeFigureOut">
               <a:rPr lang="ko-KR" altLang="en-US" smtClean="0"/>
-              <a:t>2021-12-31</a:t>
+              <a:t>2022-01-01</a:t>
             </a:fld>
             <a:endParaRPr lang="ko-KR" altLang="en-US"/>
           </a:p>
@@ -2296,7 +2297,7 @@
           <a:p>
             <a:fld id="{FB30EDBD-1C2D-4C1E-B459-B60219FAB484}" type="datetimeFigureOut">
               <a:rPr lang="ko-KR" altLang="en-US" smtClean="0"/>
-              <a:t>2021-12-31</a:t>
+              <a:t>2022-01-01</a:t>
             </a:fld>
             <a:endParaRPr lang="ko-KR" altLang="en-US"/>
           </a:p>
@@ -2566,7 +2567,7 @@
           <a:p>
             <a:fld id="{FB30EDBD-1C2D-4C1E-B459-B60219FAB484}" type="datetimeFigureOut">
               <a:rPr lang="ko-KR" altLang="en-US" smtClean="0"/>
-              <a:t>2021-12-31</a:t>
+              <a:t>2022-01-01</a:t>
             </a:fld>
             <a:endParaRPr lang="ko-KR" altLang="en-US"/>
           </a:p>
@@ -2813,7 +2814,7 @@
           <a:p>
             <a:fld id="{FB30EDBD-1C2D-4C1E-B459-B60219FAB484}" type="datetimeFigureOut">
               <a:rPr lang="ko-KR" altLang="en-US" smtClean="0"/>
-              <a:t>2021-12-31</a:t>
+              <a:t>2022-01-01</a:t>
             </a:fld>
             <a:endParaRPr lang="ko-KR" altLang="en-US"/>
           </a:p>
@@ -3019,7 +3020,7 @@
           <a:p>
             <a:fld id="{FB30EDBD-1C2D-4C1E-B459-B60219FAB484}" type="datetimeFigureOut">
               <a:rPr lang="ko-KR" altLang="en-US" smtClean="0"/>
-              <a:t>2021-12-31</a:t>
+              <a:t>2022-01-01</a:t>
             </a:fld>
             <a:endParaRPr lang="ko-KR" altLang="en-US"/>
           </a:p>
@@ -4104,8 +4105,8 @@
         </p:nvCxnSpPr>
         <p:spPr>
           <a:xfrm>
-            <a:off x="1259632" y="987574"/>
-            <a:ext cx="0" cy="3456384"/>
+            <a:off x="1259632" y="696353"/>
+            <a:ext cx="0" cy="4251661"/>
           </a:xfrm>
           <a:prstGeom prst="line">
             <a:avLst/>
@@ -4139,7 +4140,7 @@
         </p:nvSpPr>
         <p:spPr>
           <a:xfrm>
-            <a:off x="321761" y="640831"/>
+            <a:off x="321761" y="349610"/>
             <a:ext cx="1875744" cy="284693"/>
           </a:xfrm>
           <a:prstGeom prst="rect">
@@ -4172,8 +4173,8 @@
         </p:nvCxnSpPr>
         <p:spPr>
           <a:xfrm flipH="1">
-            <a:off x="4458285" y="987574"/>
-            <a:ext cx="1" cy="3456384"/>
+            <a:off x="4458287" y="696353"/>
+            <a:ext cx="1" cy="4251661"/>
           </a:xfrm>
           <a:prstGeom prst="line">
             <a:avLst/>
@@ -4207,7 +4208,7 @@
         </p:nvSpPr>
         <p:spPr>
           <a:xfrm>
-            <a:off x="3337670" y="640831"/>
+            <a:off x="3337670" y="349610"/>
             <a:ext cx="2241228" cy="284693"/>
           </a:xfrm>
           <a:prstGeom prst="rect">
@@ -4240,7 +4241,7 @@
         </p:nvCxnSpPr>
         <p:spPr>
           <a:xfrm>
-            <a:off x="1259632" y="1385216"/>
+            <a:off x="1259632" y="1093995"/>
             <a:ext cx="3198652" cy="0"/>
           </a:xfrm>
           <a:prstGeom prst="line">
@@ -4279,7 +4280,7 @@
         </p:nvCxnSpPr>
         <p:spPr>
           <a:xfrm flipH="1">
-            <a:off x="1259632" y="2135326"/>
+            <a:off x="1259632" y="1844105"/>
             <a:ext cx="3198652" cy="0"/>
           </a:xfrm>
           <a:prstGeom prst="line">
@@ -4318,7 +4319,7 @@
         </p:nvCxnSpPr>
         <p:spPr>
           <a:xfrm>
-            <a:off x="1259632" y="2899702"/>
+            <a:off x="1259632" y="2608481"/>
             <a:ext cx="6419134" cy="0"/>
           </a:xfrm>
           <a:prstGeom prst="line">
@@ -4361,7 +4362,7 @@
         </p:nvSpPr>
         <p:spPr>
           <a:xfrm>
-            <a:off x="6558152" y="640830"/>
+            <a:off x="6558152" y="349609"/>
             <a:ext cx="2241228" cy="284693"/>
           </a:xfrm>
           <a:prstGeom prst="rect">
@@ -4398,8 +4399,8 @@
         </p:nvSpPr>
         <p:spPr>
           <a:xfrm>
-            <a:off x="1361942" y="1013330"/>
-            <a:ext cx="3024333" cy="377026"/>
+            <a:off x="1259254" y="722109"/>
+            <a:ext cx="3198651" cy="377026"/>
           </a:xfrm>
           <a:prstGeom prst="rect">
             <a:avLst/>
@@ -4449,8 +4450,8 @@
         </p:nvSpPr>
         <p:spPr>
           <a:xfrm>
-            <a:off x="1361942" y="1460226"/>
-            <a:ext cx="3024333" cy="684803"/>
+            <a:off x="1259254" y="1169005"/>
+            <a:ext cx="3198652" cy="684803"/>
           </a:xfrm>
           <a:prstGeom prst="rect">
             <a:avLst/>
@@ -4463,12 +4464,14 @@
           </a:bodyPr>
           <a:lstStyle/>
           <a:p>
+            <a:pPr algn="just"/>
             <a:r>
               <a:rPr lang="en-US" altLang="ko-KR" sz="1000"/>
               <a:t>HTTP/1.1 200 OK</a:t>
             </a:r>
           </a:p>
           <a:p>
+            <a:pPr algn="just"/>
             <a:r>
               <a:rPr lang="en-US" altLang="ko-KR" sz="1000"/>
               <a:t>&lt;script&gt;</a:t>
@@ -4476,12 +4479,14 @@
             <a:endParaRPr lang="en-US" altLang="ko-KR" sz="1000" dirty="0"/>
           </a:p>
           <a:p>
+            <a:pPr algn="just"/>
             <a:r>
               <a:rPr lang="en-US" altLang="ko-KR" sz="1000" b="1"/>
               <a:t>fetch(https://ssup2.github.io)</a:t>
             </a:r>
           </a:p>
           <a:p>
+            <a:pPr algn="just"/>
             <a:r>
               <a:rPr lang="en-US" altLang="ko-KR" sz="1000"/>
               <a:t>&lt;script&gt;</a:t>
@@ -4505,9 +4510,9 @@
           <p:nvPr/>
         </p:nvCxnSpPr>
         <p:spPr>
-          <a:xfrm flipH="1">
-            <a:off x="7678767" y="987574"/>
-            <a:ext cx="1" cy="3456384"/>
+          <a:xfrm>
+            <a:off x="7678770" y="696353"/>
+            <a:ext cx="0" cy="4251661"/>
           </a:xfrm>
           <a:prstGeom prst="line">
             <a:avLst/>
@@ -4547,8 +4552,8 @@
         </p:nvSpPr>
         <p:spPr>
           <a:xfrm>
-            <a:off x="1361942" y="2214899"/>
-            <a:ext cx="3024333" cy="684803"/>
+            <a:off x="1259257" y="1923678"/>
+            <a:ext cx="3198649" cy="684803"/>
           </a:xfrm>
           <a:prstGeom prst="rect">
             <a:avLst/>
@@ -4575,13 +4580,13 @@
           <a:p>
             <a:r>
               <a:rPr lang="en-US" altLang="ko-KR" sz="1000" b="1"/>
-              <a:t>Access-Control-Request-Method: GET</a:t>
+              <a:t>Access-Control-Request-Method: GET, POST</a:t>
             </a:r>
           </a:p>
           <a:p>
             <a:r>
               <a:rPr lang="en-US" altLang="ko-KR" sz="1000" b="1"/>
-              <a:t>Access-Control-Request-Headers: content-type</a:t>
+              <a:t>Access-Control-Request-Headers: Content-Type</a:t>
             </a:r>
           </a:p>
         </p:txBody>
@@ -4602,7 +4607,7 @@
         </p:nvCxnSpPr>
         <p:spPr>
           <a:xfrm flipH="1">
-            <a:off x="1259633" y="3351359"/>
+            <a:off x="1259633" y="3515237"/>
             <a:ext cx="6419133" cy="0"/>
           </a:xfrm>
           <a:prstGeom prst="line">
@@ -4647,7 +4652,7 @@
         </p:nvCxnSpPr>
         <p:spPr>
           <a:xfrm>
-            <a:off x="1259632" y="3953000"/>
+            <a:off x="1259632" y="4284084"/>
             <a:ext cx="6419134" cy="0"/>
           </a:xfrm>
           <a:prstGeom prst="line">
@@ -4690,8 +4695,8 @@
         </p:nvSpPr>
         <p:spPr>
           <a:xfrm>
-            <a:off x="1357895" y="3422085"/>
-            <a:ext cx="3028379" cy="530915"/>
+            <a:off x="1259257" y="3590047"/>
+            <a:ext cx="3198652" cy="684803"/>
           </a:xfrm>
           <a:prstGeom prst="rect">
             <a:avLst/>
@@ -4713,6 +4718,12 @@
             <a:r>
               <a:rPr lang="en-US" altLang="ko-KR" sz="1000"/>
               <a:t>Host: ssup2.github.io</a:t>
+            </a:r>
+          </a:p>
+          <a:p>
+            <a:r>
+              <a:rPr lang="en-US" altLang="ko-KR" sz="1000" b="1"/>
+              <a:t>Origin: https://ssup2.com</a:t>
             </a:r>
             <a:endParaRPr lang="en-US" altLang="ko-KR" sz="1000" dirty="0"/>
           </a:p>
@@ -4741,7 +4752,7 @@
         </p:nvCxnSpPr>
         <p:spPr>
           <a:xfrm flipH="1">
-            <a:off x="1259632" y="4267798"/>
+            <a:off x="1259632" y="4731990"/>
             <a:ext cx="6419135" cy="0"/>
           </a:xfrm>
           <a:prstGeom prst="line">
@@ -4784,8 +4795,8 @@
         </p:nvSpPr>
         <p:spPr>
           <a:xfrm>
-            <a:off x="4628180" y="4029271"/>
-            <a:ext cx="2306024" cy="238527"/>
+            <a:off x="4457914" y="4362893"/>
+            <a:ext cx="3220854" cy="377026"/>
           </a:xfrm>
           <a:prstGeom prst="rect">
             <a:avLst/>
@@ -4799,8 +4810,14 @@
           <a:lstStyle/>
           <a:p>
             <a:r>
-              <a:rPr lang="en-US" altLang="ko-KR" sz="1100"/>
+              <a:rPr lang="en-US" altLang="ko-KR" sz="1000"/>
               <a:t>HTTP/1.1 200 OK</a:t>
+            </a:r>
+          </a:p>
+          <a:p>
+            <a:r>
+              <a:rPr lang="en-US" altLang="ko-KR" sz="1000" b="1"/>
+              <a:t>Access-Control-Allow-Origin : https://ssup2.com</a:t>
             </a:r>
           </a:p>
         </p:txBody>
@@ -4819,8 +4836,8 @@
         </p:nvSpPr>
         <p:spPr>
           <a:xfrm>
-            <a:off x="4556171" y="2974333"/>
-            <a:ext cx="3024333" cy="377026"/>
+            <a:off x="4459752" y="2678351"/>
+            <a:ext cx="3220854" cy="838691"/>
           </a:xfrm>
           <a:prstGeom prst="rect">
             <a:avLst/>
@@ -4833,15 +4850,38 @@
           </a:bodyPr>
           <a:lstStyle/>
           <a:p>
+            <a:pPr algn="just"/>
             <a:r>
               <a:rPr lang="en-US" altLang="ko-KR" sz="1000"/>
-              <a:t>OPTIONS https://ssup2.github.io 200 OK</a:t>
-            </a:r>
-          </a:p>
-          <a:p>
+              <a:t>HTTP/1.1 204 No Content</a:t>
+            </a:r>
+          </a:p>
+          <a:p>
+            <a:pPr algn="just"/>
             <a:r>
               <a:rPr lang="en-US" altLang="ko-KR" sz="1000" b="1"/>
-              <a:t>Access-Control-Allow-Origin : *</a:t>
+              <a:t>Access-Control-Allow-Origin : https://ssup2.com</a:t>
+            </a:r>
+          </a:p>
+          <a:p>
+            <a:pPr algn="just"/>
+            <a:r>
+              <a:rPr lang="en-US" altLang="ko-KR" sz="1000" b="1"/>
+              <a:t>Access-Control-Allow-Methods : GET, POST</a:t>
+            </a:r>
+          </a:p>
+          <a:p>
+            <a:pPr algn="just"/>
+            <a:r>
+              <a:rPr lang="en-US" altLang="ko-KR" sz="1000" b="1"/>
+              <a:t>Access-Control-Allow-Headers : Content-Type</a:t>
+            </a:r>
+          </a:p>
+          <a:p>
+            <a:pPr algn="just"/>
+            <a:r>
+              <a:rPr lang="en-US" altLang="ko-KR" sz="1000" b="1"/>
+              <a:t>Access-Control-Allow-Max-Ages : 86400 </a:t>
             </a:r>
           </a:p>
         </p:txBody>
@@ -4860,6 +4900,786 @@
 </file>
 
 <file path=ppt/slides/slide3.xml><?xml version="1.0" encoding="utf-8"?>
+<p:sld xmlns:a="http://schemas.openxmlformats.org/drawingml/2006/main" xmlns:r="http://schemas.openxmlformats.org/officeDocument/2006/relationships" xmlns:p="http://schemas.openxmlformats.org/presentationml/2006/main">
+  <p:cSld>
+    <p:spTree>
+      <p:nvGrpSpPr>
+        <p:cNvPr id="1" name=""/>
+        <p:cNvGrpSpPr/>
+        <p:nvPr/>
+      </p:nvGrpSpPr>
+      <p:grpSpPr>
+        <a:xfrm>
+          <a:off x="0" y="0"/>
+          <a:ext cx="0" cy="0"/>
+          <a:chOff x="0" y="0"/>
+          <a:chExt cx="0" cy="0"/>
+        </a:xfrm>
+      </p:grpSpPr>
+      <p:cxnSp>
+        <p:nvCxnSpPr>
+          <p:cNvPr id="3" name="직선 연결선 2"/>
+          <p:cNvCxnSpPr>
+            <a:cxnSpLocks/>
+          </p:cNvCxnSpPr>
+          <p:nvPr/>
+        </p:nvCxnSpPr>
+        <p:spPr>
+          <a:xfrm>
+            <a:off x="1259632" y="696353"/>
+            <a:ext cx="0" cy="2523469"/>
+          </a:xfrm>
+          <a:prstGeom prst="line">
+            <a:avLst/>
+          </a:prstGeom>
+          <a:ln w="19050">
+            <a:solidFill>
+              <a:schemeClr val="tx1"/>
+            </a:solidFill>
+          </a:ln>
+        </p:spPr>
+        <p:style>
+          <a:lnRef idx="1">
+            <a:schemeClr val="accent1"/>
+          </a:lnRef>
+          <a:fillRef idx="0">
+            <a:schemeClr val="accent1"/>
+          </a:fillRef>
+          <a:effectRef idx="0">
+            <a:schemeClr val="accent1"/>
+          </a:effectRef>
+          <a:fontRef idx="minor">
+            <a:schemeClr val="tx1"/>
+          </a:fontRef>
+        </p:style>
+      </p:cxnSp>
+      <p:sp>
+        <p:nvSpPr>
+          <p:cNvPr id="4" name="TextBox 3"/>
+          <p:cNvSpPr txBox="1"/>
+          <p:nvPr/>
+        </p:nvSpPr>
+        <p:spPr>
+          <a:xfrm>
+            <a:off x="321761" y="349610"/>
+            <a:ext cx="1875744" cy="284693"/>
+          </a:xfrm>
+          <a:prstGeom prst="rect">
+            <a:avLst/>
+          </a:prstGeom>
+          <a:noFill/>
+        </p:spPr>
+        <p:txBody>
+          <a:bodyPr wrap="square" lIns="68580" tIns="34290" rIns="68580" bIns="34290" rtlCol="0" anchor="ctr">
+            <a:spAutoFit/>
+          </a:bodyPr>
+          <a:lstStyle/>
+          <a:p>
+            <a:pPr algn="ctr"/>
+            <a:r>
+              <a:rPr lang="en-US" altLang="ko-KR" sz="1400"/>
+              <a:t>Web Browser</a:t>
+            </a:r>
+            <a:endParaRPr lang="ko-KR" altLang="en-US" sz="1400" dirty="0"/>
+          </a:p>
+        </p:txBody>
+      </p:sp>
+      <p:cxnSp>
+        <p:nvCxnSpPr>
+          <p:cNvPr id="5" name="직선 연결선 4"/>
+          <p:cNvCxnSpPr>
+            <a:cxnSpLocks/>
+          </p:cNvCxnSpPr>
+          <p:nvPr/>
+        </p:nvCxnSpPr>
+        <p:spPr>
+          <a:xfrm flipH="1">
+            <a:off x="4458288" y="696353"/>
+            <a:ext cx="1" cy="2523469"/>
+          </a:xfrm>
+          <a:prstGeom prst="line">
+            <a:avLst/>
+          </a:prstGeom>
+          <a:ln w="19050">
+            <a:solidFill>
+              <a:schemeClr val="tx1"/>
+            </a:solidFill>
+          </a:ln>
+        </p:spPr>
+        <p:style>
+          <a:lnRef idx="1">
+            <a:schemeClr val="accent1"/>
+          </a:lnRef>
+          <a:fillRef idx="0">
+            <a:schemeClr val="accent1"/>
+          </a:fillRef>
+          <a:effectRef idx="0">
+            <a:schemeClr val="accent1"/>
+          </a:effectRef>
+          <a:fontRef idx="minor">
+            <a:schemeClr val="tx1"/>
+          </a:fontRef>
+        </p:style>
+      </p:cxnSp>
+      <p:sp>
+        <p:nvSpPr>
+          <p:cNvPr id="6" name="TextBox 5"/>
+          <p:cNvSpPr txBox="1"/>
+          <p:nvPr/>
+        </p:nvSpPr>
+        <p:spPr>
+          <a:xfrm>
+            <a:off x="3337670" y="349610"/>
+            <a:ext cx="2241228" cy="284693"/>
+          </a:xfrm>
+          <a:prstGeom prst="rect">
+            <a:avLst/>
+          </a:prstGeom>
+          <a:noFill/>
+        </p:spPr>
+        <p:txBody>
+          <a:bodyPr wrap="square" lIns="68580" tIns="34290" rIns="68580" bIns="34290" rtlCol="0" anchor="ctr">
+            <a:spAutoFit/>
+          </a:bodyPr>
+          <a:lstStyle/>
+          <a:p>
+            <a:pPr algn="ctr"/>
+            <a:r>
+              <a:rPr lang="en-US" altLang="ko-KR" sz="1400"/>
+              <a:t>https://ssup2.com</a:t>
+            </a:r>
+            <a:endParaRPr lang="ko-KR" altLang="en-US" sz="1400" dirty="0"/>
+          </a:p>
+        </p:txBody>
+      </p:sp>
+      <p:cxnSp>
+        <p:nvCxnSpPr>
+          <p:cNvPr id="7" name="직선 연결선 6"/>
+          <p:cNvCxnSpPr>
+            <a:cxnSpLocks/>
+          </p:cNvCxnSpPr>
+          <p:nvPr/>
+        </p:nvCxnSpPr>
+        <p:spPr>
+          <a:xfrm>
+            <a:off x="1259632" y="1093995"/>
+            <a:ext cx="3198652" cy="0"/>
+          </a:xfrm>
+          <a:prstGeom prst="line">
+            <a:avLst/>
+          </a:prstGeom>
+          <a:ln w="19050">
+            <a:solidFill>
+              <a:schemeClr val="tx1"/>
+            </a:solidFill>
+            <a:headEnd type="none" w="med" len="med"/>
+            <a:tailEnd type="arrow" w="med" len="med"/>
+          </a:ln>
+        </p:spPr>
+        <p:style>
+          <a:lnRef idx="1">
+            <a:schemeClr val="accent1"/>
+          </a:lnRef>
+          <a:fillRef idx="0">
+            <a:schemeClr val="accent1"/>
+          </a:fillRef>
+          <a:effectRef idx="0">
+            <a:schemeClr val="accent1"/>
+          </a:effectRef>
+          <a:fontRef idx="minor">
+            <a:schemeClr val="tx1"/>
+          </a:fontRef>
+        </p:style>
+      </p:cxnSp>
+      <p:cxnSp>
+        <p:nvCxnSpPr>
+          <p:cNvPr id="11" name="직선 연결선 10"/>
+          <p:cNvCxnSpPr>
+            <a:cxnSpLocks/>
+          </p:cNvCxnSpPr>
+          <p:nvPr/>
+        </p:nvCxnSpPr>
+        <p:spPr>
+          <a:xfrm flipH="1">
+            <a:off x="1259632" y="1844105"/>
+            <a:ext cx="3198652" cy="0"/>
+          </a:xfrm>
+          <a:prstGeom prst="line">
+            <a:avLst/>
+          </a:prstGeom>
+          <a:ln w="19050">
+            <a:solidFill>
+              <a:schemeClr val="tx1"/>
+            </a:solidFill>
+            <a:headEnd type="none" w="med" len="med"/>
+            <a:tailEnd type="arrow" w="med" len="med"/>
+          </a:ln>
+        </p:spPr>
+        <p:style>
+          <a:lnRef idx="1">
+            <a:schemeClr val="accent1"/>
+          </a:lnRef>
+          <a:fillRef idx="0">
+            <a:schemeClr val="accent1"/>
+          </a:fillRef>
+          <a:effectRef idx="0">
+            <a:schemeClr val="accent1"/>
+          </a:effectRef>
+          <a:fontRef idx="minor">
+            <a:schemeClr val="tx1"/>
+          </a:fontRef>
+        </p:style>
+      </p:cxnSp>
+      <p:sp>
+        <p:nvSpPr>
+          <p:cNvPr id="16" name="TextBox 15">
+            <a:extLst>
+              <a:ext uri="{FF2B5EF4-FFF2-40B4-BE49-F238E27FC236}">
+                <a16:creationId xmlns:a16="http://schemas.microsoft.com/office/drawing/2014/main" id="{F7DC2949-5AD9-4D2A-88BA-13CA1AB17594}"/>
+              </a:ext>
+            </a:extLst>
+          </p:cNvPr>
+          <p:cNvSpPr txBox="1"/>
+          <p:nvPr/>
+        </p:nvSpPr>
+        <p:spPr>
+          <a:xfrm>
+            <a:off x="6558152" y="349609"/>
+            <a:ext cx="2241228" cy="284693"/>
+          </a:xfrm>
+          <a:prstGeom prst="rect">
+            <a:avLst/>
+          </a:prstGeom>
+          <a:noFill/>
+        </p:spPr>
+        <p:txBody>
+          <a:bodyPr wrap="square" lIns="68580" tIns="34290" rIns="68580" bIns="34290" rtlCol="0" anchor="ctr">
+            <a:spAutoFit/>
+          </a:bodyPr>
+          <a:lstStyle/>
+          <a:p>
+            <a:pPr algn="ctr"/>
+            <a:r>
+              <a:rPr lang="en-US" altLang="ko-KR" sz="1400"/>
+              <a:t>https://ssup2.github.io</a:t>
+            </a:r>
+            <a:endParaRPr lang="ko-KR" altLang="en-US" sz="1400" dirty="0"/>
+          </a:p>
+        </p:txBody>
+      </p:sp>
+      <p:sp>
+        <p:nvSpPr>
+          <p:cNvPr id="17" name="TextBox 16">
+            <a:extLst>
+              <a:ext uri="{FF2B5EF4-FFF2-40B4-BE49-F238E27FC236}">
+                <a16:creationId xmlns:a16="http://schemas.microsoft.com/office/drawing/2014/main" id="{CCAA8F28-0A18-4639-A146-039BB1918FC9}"/>
+              </a:ext>
+            </a:extLst>
+          </p:cNvPr>
+          <p:cNvSpPr txBox="1"/>
+          <p:nvPr/>
+        </p:nvSpPr>
+        <p:spPr>
+          <a:xfrm>
+            <a:off x="1259254" y="722109"/>
+            <a:ext cx="3198651" cy="377026"/>
+          </a:xfrm>
+          <a:prstGeom prst="rect">
+            <a:avLst/>
+          </a:prstGeom>
+          <a:noFill/>
+        </p:spPr>
+        <p:txBody>
+          <a:bodyPr wrap="square" lIns="68580" tIns="34290" rIns="68580" bIns="34290" rtlCol="0" anchor="ctr">
+            <a:spAutoFit/>
+          </a:bodyPr>
+          <a:lstStyle/>
+          <a:p>
+            <a:r>
+              <a:rPr lang="en-US" altLang="ko-KR" sz="1000"/>
+              <a:t>GET /</a:t>
+            </a:r>
+            <a:endParaRPr lang="en-US" altLang="ko-KR" sz="1000" dirty="0"/>
+          </a:p>
+          <a:p>
+            <a:r>
+              <a:rPr lang="en-US" altLang="ko-KR" sz="1000" dirty="0"/>
+              <a:t>Host: </a:t>
+            </a:r>
+            <a:r>
+              <a:rPr lang="en-US" altLang="ko-KR" sz="1000" err="1"/>
+              <a:t>ssup2</a:t>
+            </a:r>
+            <a:r>
+              <a:rPr lang="en-US" altLang="ko-KR" sz="1000"/>
+              <a:t>.com</a:t>
+            </a:r>
+            <a:endParaRPr lang="ko-KR" altLang="en-US" sz="1100" dirty="0"/>
+          </a:p>
+        </p:txBody>
+      </p:sp>
+      <p:sp>
+        <p:nvSpPr>
+          <p:cNvPr id="22" name="TextBox 21">
+            <a:extLst>
+              <a:ext uri="{FF2B5EF4-FFF2-40B4-BE49-F238E27FC236}">
+                <a16:creationId xmlns:a16="http://schemas.microsoft.com/office/drawing/2014/main" id="{ADB89614-A78F-48CC-95FA-838BEBB6A8F1}"/>
+              </a:ext>
+            </a:extLst>
+          </p:cNvPr>
+          <p:cNvSpPr txBox="1"/>
+          <p:nvPr/>
+        </p:nvSpPr>
+        <p:spPr>
+          <a:xfrm>
+            <a:off x="1259254" y="1169005"/>
+            <a:ext cx="3198652" cy="684803"/>
+          </a:xfrm>
+          <a:prstGeom prst="rect">
+            <a:avLst/>
+          </a:prstGeom>
+          <a:noFill/>
+        </p:spPr>
+        <p:txBody>
+          <a:bodyPr wrap="square" lIns="68580" tIns="34290" rIns="68580" bIns="34290" rtlCol="0" anchor="ctr">
+            <a:spAutoFit/>
+          </a:bodyPr>
+          <a:lstStyle/>
+          <a:p>
+            <a:pPr algn="just"/>
+            <a:r>
+              <a:rPr lang="en-US" altLang="ko-KR" sz="1000"/>
+              <a:t>HTTP/1.1 200 OK</a:t>
+            </a:r>
+          </a:p>
+          <a:p>
+            <a:pPr algn="just"/>
+            <a:r>
+              <a:rPr lang="en-US" altLang="ko-KR" sz="1000"/>
+              <a:t>&lt;script&gt;</a:t>
+            </a:r>
+            <a:endParaRPr lang="en-US" altLang="ko-KR" sz="1000" dirty="0"/>
+          </a:p>
+          <a:p>
+            <a:pPr algn="just"/>
+            <a:r>
+              <a:rPr lang="en-US" altLang="ko-KR" sz="1000" b="1"/>
+              <a:t>fetch(https://ssup2.github.io)</a:t>
+            </a:r>
+          </a:p>
+          <a:p>
+            <a:pPr algn="just"/>
+            <a:r>
+              <a:rPr lang="en-US" altLang="ko-KR" sz="1000"/>
+              <a:t>&lt;script&gt;</a:t>
+            </a:r>
+            <a:endParaRPr lang="ko-KR" altLang="en-US" sz="1000" dirty="0"/>
+          </a:p>
+        </p:txBody>
+      </p:sp>
+      <p:cxnSp>
+        <p:nvCxnSpPr>
+          <p:cNvPr id="24" name="직선 연결선 23">
+            <a:extLst>
+              <a:ext uri="{FF2B5EF4-FFF2-40B4-BE49-F238E27FC236}">
+                <a16:creationId xmlns:a16="http://schemas.microsoft.com/office/drawing/2014/main" id="{07FC948A-C1A1-4277-BFC2-52CF0AB72731}"/>
+              </a:ext>
+            </a:extLst>
+          </p:cNvPr>
+          <p:cNvCxnSpPr>
+            <a:cxnSpLocks/>
+          </p:cNvCxnSpPr>
+          <p:nvPr/>
+        </p:nvCxnSpPr>
+        <p:spPr>
+          <a:xfrm>
+            <a:off x="7678770" y="696353"/>
+            <a:ext cx="0" cy="2523469"/>
+          </a:xfrm>
+          <a:prstGeom prst="line">
+            <a:avLst/>
+          </a:prstGeom>
+          <a:ln w="19050">
+            <a:solidFill>
+              <a:schemeClr val="tx1"/>
+            </a:solidFill>
+          </a:ln>
+        </p:spPr>
+        <p:style>
+          <a:lnRef idx="1">
+            <a:schemeClr val="accent1"/>
+          </a:lnRef>
+          <a:fillRef idx="0">
+            <a:schemeClr val="accent1"/>
+          </a:fillRef>
+          <a:effectRef idx="0">
+            <a:schemeClr val="accent1"/>
+          </a:effectRef>
+          <a:fontRef idx="minor">
+            <a:schemeClr val="tx1"/>
+          </a:fontRef>
+        </p:style>
+      </p:cxnSp>
+      <p:cxnSp>
+        <p:nvCxnSpPr>
+          <p:cNvPr id="37" name="직선 연결선 36">
+            <a:extLst>
+              <a:ext uri="{FF2B5EF4-FFF2-40B4-BE49-F238E27FC236}">
+                <a16:creationId xmlns:a16="http://schemas.microsoft.com/office/drawing/2014/main" id="{CCE648AA-77AE-4F07-9395-24048EFE368B}"/>
+              </a:ext>
+            </a:extLst>
+          </p:cNvPr>
+          <p:cNvCxnSpPr>
+            <a:cxnSpLocks/>
+          </p:cNvCxnSpPr>
+          <p:nvPr/>
+        </p:nvCxnSpPr>
+        <p:spPr>
+          <a:xfrm>
+            <a:off x="1259632" y="2608834"/>
+            <a:ext cx="6419134" cy="0"/>
+          </a:xfrm>
+          <a:prstGeom prst="line">
+            <a:avLst/>
+          </a:prstGeom>
+          <a:ln w="19050">
+            <a:solidFill>
+              <a:schemeClr val="tx1"/>
+            </a:solidFill>
+            <a:headEnd type="none" w="med" len="med"/>
+            <a:tailEnd type="arrow" w="med" len="med"/>
+          </a:ln>
+        </p:spPr>
+        <p:style>
+          <a:lnRef idx="1">
+            <a:schemeClr val="accent1"/>
+          </a:lnRef>
+          <a:fillRef idx="0">
+            <a:schemeClr val="accent1"/>
+          </a:fillRef>
+          <a:effectRef idx="0">
+            <a:schemeClr val="accent1"/>
+          </a:effectRef>
+          <a:fontRef idx="minor">
+            <a:schemeClr val="tx1"/>
+          </a:fontRef>
+        </p:style>
+      </p:cxnSp>
+      <p:sp>
+        <p:nvSpPr>
+          <p:cNvPr id="38" name="TextBox 37">
+            <a:extLst>
+              <a:ext uri="{FF2B5EF4-FFF2-40B4-BE49-F238E27FC236}">
+                <a16:creationId xmlns:a16="http://schemas.microsoft.com/office/drawing/2014/main" id="{FFD60EDB-DDAC-48F8-ADBC-361BD22118D2}"/>
+              </a:ext>
+            </a:extLst>
+          </p:cNvPr>
+          <p:cNvSpPr txBox="1"/>
+          <p:nvPr/>
+        </p:nvSpPr>
+        <p:spPr>
+          <a:xfrm>
+            <a:off x="1259257" y="1914797"/>
+            <a:ext cx="3198652" cy="684803"/>
+          </a:xfrm>
+          <a:prstGeom prst="rect">
+            <a:avLst/>
+          </a:prstGeom>
+          <a:noFill/>
+        </p:spPr>
+        <p:txBody>
+          <a:bodyPr wrap="square" lIns="68580" tIns="34290" rIns="68580" bIns="34290" rtlCol="0" anchor="ctr">
+            <a:spAutoFit/>
+          </a:bodyPr>
+          <a:lstStyle/>
+          <a:p>
+            <a:r>
+              <a:rPr lang="en-US" altLang="ko-KR" sz="1000"/>
+              <a:t>GET /</a:t>
+            </a:r>
+          </a:p>
+          <a:p>
+            <a:r>
+              <a:rPr lang="en-US" altLang="ko-KR" sz="1000"/>
+              <a:t>Host: ssup2.github.io</a:t>
+            </a:r>
+          </a:p>
+          <a:p>
+            <a:r>
+              <a:rPr lang="en-US" altLang="ko-KR" sz="1000" b="1"/>
+              <a:t>Origin: https://ssup2.com</a:t>
+            </a:r>
+            <a:endParaRPr lang="en-US" altLang="ko-KR" sz="1000" dirty="0"/>
+          </a:p>
+          <a:p>
+            <a:r>
+              <a:rPr lang="en-US" altLang="ko-KR" sz="1000"/>
+              <a:t>Content-Type: text/plain</a:t>
+            </a:r>
+            <a:endParaRPr lang="ko-KR" altLang="en-US" sz="1000" dirty="0"/>
+          </a:p>
+        </p:txBody>
+      </p:sp>
+      <p:cxnSp>
+        <p:nvCxnSpPr>
+          <p:cNvPr id="39" name="직선 연결선 38">
+            <a:extLst>
+              <a:ext uri="{FF2B5EF4-FFF2-40B4-BE49-F238E27FC236}">
+                <a16:creationId xmlns:a16="http://schemas.microsoft.com/office/drawing/2014/main" id="{D3935833-E7F0-4587-B6A5-18476FA8D767}"/>
+              </a:ext>
+            </a:extLst>
+          </p:cNvPr>
+          <p:cNvCxnSpPr>
+            <a:cxnSpLocks/>
+          </p:cNvCxnSpPr>
+          <p:nvPr/>
+        </p:nvCxnSpPr>
+        <p:spPr>
+          <a:xfrm flipH="1">
+            <a:off x="1259632" y="3056740"/>
+            <a:ext cx="6419135" cy="0"/>
+          </a:xfrm>
+          <a:prstGeom prst="line">
+            <a:avLst/>
+          </a:prstGeom>
+          <a:ln w="19050">
+            <a:solidFill>
+              <a:schemeClr val="tx1"/>
+            </a:solidFill>
+            <a:headEnd type="none" w="med" len="med"/>
+            <a:tailEnd type="arrow" w="med" len="med"/>
+          </a:ln>
+        </p:spPr>
+        <p:style>
+          <a:lnRef idx="1">
+            <a:schemeClr val="accent1"/>
+          </a:lnRef>
+          <a:fillRef idx="0">
+            <a:schemeClr val="accent1"/>
+          </a:fillRef>
+          <a:effectRef idx="0">
+            <a:schemeClr val="accent1"/>
+          </a:effectRef>
+          <a:fontRef idx="minor">
+            <a:schemeClr val="tx1"/>
+          </a:fontRef>
+        </p:style>
+      </p:cxnSp>
+      <p:sp>
+        <p:nvSpPr>
+          <p:cNvPr id="40" name="TextBox 39">
+            <a:extLst>
+              <a:ext uri="{FF2B5EF4-FFF2-40B4-BE49-F238E27FC236}">
+                <a16:creationId xmlns:a16="http://schemas.microsoft.com/office/drawing/2014/main" id="{75B0BE0D-BA49-4D96-B90A-14FE80682297}"/>
+              </a:ext>
+            </a:extLst>
+          </p:cNvPr>
+          <p:cNvSpPr txBox="1"/>
+          <p:nvPr/>
+        </p:nvSpPr>
+        <p:spPr>
+          <a:xfrm>
+            <a:off x="4457914" y="2687643"/>
+            <a:ext cx="3220854" cy="377026"/>
+          </a:xfrm>
+          <a:prstGeom prst="rect">
+            <a:avLst/>
+          </a:prstGeom>
+          <a:noFill/>
+        </p:spPr>
+        <p:txBody>
+          <a:bodyPr wrap="square" lIns="68580" tIns="34290" rIns="68580" bIns="34290" rtlCol="0" anchor="ctr">
+            <a:spAutoFit/>
+          </a:bodyPr>
+          <a:lstStyle/>
+          <a:p>
+            <a:r>
+              <a:rPr lang="en-US" altLang="ko-KR" sz="1000"/>
+              <a:t>HTTP/1.1 200 OK</a:t>
+            </a:r>
+          </a:p>
+          <a:p>
+            <a:r>
+              <a:rPr lang="en-US" altLang="ko-KR" sz="1000" b="1"/>
+              <a:t>Access-Control-Allow-Origin : https://ssup2.com</a:t>
+            </a:r>
+          </a:p>
+        </p:txBody>
+      </p:sp>
+      <p:sp>
+        <p:nvSpPr>
+          <p:cNvPr id="10" name="Rectangle 1">
+            <a:extLst>
+              <a:ext uri="{FF2B5EF4-FFF2-40B4-BE49-F238E27FC236}">
+                <a16:creationId xmlns:a16="http://schemas.microsoft.com/office/drawing/2014/main" id="{95A7408D-D990-4CB8-A82A-ED8A59762F2B}"/>
+              </a:ext>
+            </a:extLst>
+          </p:cNvPr>
+          <p:cNvSpPr>
+            <a:spLocks noChangeArrowheads="1"/>
+          </p:cNvSpPr>
+          <p:nvPr/>
+        </p:nvSpPr>
+        <p:spPr bwMode="auto">
+          <a:xfrm>
+            <a:off x="0" y="0"/>
+            <a:ext cx="9144000" cy="0"/>
+          </a:xfrm>
+          <a:prstGeom prst="rect">
+            <a:avLst/>
+          </a:prstGeom>
+          <a:solidFill>
+            <a:srgbClr val="F4F4F4"/>
+          </a:solidFill>
+          <a:ln>
+            <a:noFill/>
+          </a:ln>
+          <a:effectLst/>
+          <a:extLst>
+            <a:ext uri="{91240B29-F687-4F45-9708-019B960494DF}">
+              <a14:hiddenLine xmlns:a14="http://schemas.microsoft.com/office/drawing/2010/main" w="9525">
+                <a:solidFill>
+                  <a:schemeClr val="tx1"/>
+                </a:solidFill>
+                <a:miter lim="800000"/>
+                <a:headEnd/>
+                <a:tailEnd/>
+              </a14:hiddenLine>
+            </a:ext>
+            <a:ext uri="{AF507438-7753-43E0-B8FC-AC1667EBCBE1}">
+              <a14:hiddenEffects xmlns:a14="http://schemas.microsoft.com/office/drawing/2010/main">
+                <a:effectLst>
+                  <a:outerShdw dist="35921" dir="2700000" algn="ctr" rotWithShape="0">
+                    <a:schemeClr val="bg2"/>
+                  </a:outerShdw>
+                </a:effectLst>
+              </a14:hiddenEffects>
+            </a:ext>
+          </a:extLst>
+        </p:spPr>
+        <p:txBody>
+          <a:bodyPr vert="horz" wrap="none" lIns="91440" tIns="45720" rIns="91440" bIns="45720" numCol="1" anchor="ctr" anchorCtr="0" compatLnSpc="1">
+            <a:prstTxWarp prst="textNoShape">
+              <a:avLst/>
+            </a:prstTxWarp>
+            <a:spAutoFit/>
+          </a:bodyPr>
+          <a:lstStyle/>
+          <a:p>
+            <a:pPr marL="0" marR="0" lvl="0" indent="0" algn="l" defTabSz="914400" rtl="0" eaLnBrk="0" fontAlgn="base" latinLnBrk="0" hangingPunct="0">
+              <a:lnSpc>
+                <a:spcPct val="100000"/>
+              </a:lnSpc>
+              <a:spcBef>
+                <a:spcPct val="0"/>
+              </a:spcBef>
+              <a:spcAft>
+                <a:spcPct val="0"/>
+              </a:spcAft>
+              <a:buClrTx/>
+              <a:buSzTx/>
+              <a:buFontTx/>
+              <a:buNone/>
+              <a:tabLst/>
+            </a:pPr>
+            <a:endParaRPr kumimoji="0" lang="ko-KR" altLang="ko-KR" sz="1800" b="0" i="0" u="none" strike="noStrike" cap="none" normalizeH="0" baseline="0">
+              <a:ln>
+                <a:noFill/>
+              </a:ln>
+              <a:solidFill>
+                <a:schemeClr val="tx1"/>
+              </a:solidFill>
+              <a:effectLst/>
+              <a:latin typeface="Arial" panose="020B0604020202020204" pitchFamily="34" charset="0"/>
+            </a:endParaRPr>
+          </a:p>
+          <a:p>
+            <a:pPr marL="0" marR="0" lvl="0" indent="0" algn="l" defTabSz="914400" rtl="0" eaLnBrk="0" fontAlgn="base" latinLnBrk="0" hangingPunct="0">
+              <a:lnSpc>
+                <a:spcPct val="100000"/>
+              </a:lnSpc>
+              <a:spcBef>
+                <a:spcPct val="0"/>
+              </a:spcBef>
+              <a:spcAft>
+                <a:spcPct val="0"/>
+              </a:spcAft>
+              <a:buClrTx/>
+              <a:buSzTx/>
+              <a:buFontTx/>
+              <a:buChar char="•"/>
+              <a:tabLst/>
+            </a:pPr>
+            <a:r>
+              <a:rPr kumimoji="0" lang="ko-KR" altLang="ko-KR" sz="1000" b="0" i="0" u="none" strike="noStrike" cap="none" normalizeH="0" baseline="0">
+                <a:ln>
+                  <a:noFill/>
+                </a:ln>
+                <a:solidFill>
+                  <a:srgbClr val="1B1B1B"/>
+                </a:solidFill>
+                <a:effectLst/>
+                <a:latin typeface="Consolas" panose="020B0609020204030204" pitchFamily="49" charset="0"/>
+                <a:cs typeface="Arial" panose="020B0604020202020204" pitchFamily="34" charset="0"/>
+              </a:rPr>
+              <a:t>text/plain</a:t>
+            </a:r>
+            <a:endParaRPr kumimoji="0" lang="ko-KR" altLang="ko-KR" sz="1200" b="0" i="0" u="none" strike="noStrike" cap="none" normalizeH="0" baseline="0">
+              <a:ln>
+                <a:noFill/>
+              </a:ln>
+              <a:solidFill>
+                <a:srgbClr val="1B1B1B"/>
+              </a:solidFill>
+              <a:effectLst/>
+              <a:latin typeface="Arial" panose="020B0604020202020204" pitchFamily="34" charset="0"/>
+              <a:cs typeface="Arial" panose="020B0604020202020204" pitchFamily="34" charset="0"/>
+            </a:endParaRPr>
+          </a:p>
+          <a:p>
+            <a:pPr marL="0" marR="0" lvl="0" indent="0" algn="l" defTabSz="914400" rtl="0" eaLnBrk="0" fontAlgn="base" latinLnBrk="0" hangingPunct="0">
+              <a:lnSpc>
+                <a:spcPct val="100000"/>
+              </a:lnSpc>
+              <a:spcBef>
+                <a:spcPct val="0"/>
+              </a:spcBef>
+              <a:spcAft>
+                <a:spcPct val="0"/>
+              </a:spcAft>
+              <a:buClrTx/>
+              <a:buSzTx/>
+              <a:buFontTx/>
+              <a:buNone/>
+              <a:tabLst/>
+            </a:pPr>
+            <a:endParaRPr kumimoji="0" lang="ko-KR" altLang="ko-KR" sz="1800" b="0" i="0" u="none" strike="noStrike" cap="none" normalizeH="0" baseline="0">
+              <a:ln>
+                <a:noFill/>
+              </a:ln>
+              <a:solidFill>
+                <a:schemeClr val="tx1"/>
+              </a:solidFill>
+              <a:effectLst/>
+              <a:latin typeface="Arial" panose="020B0604020202020204" pitchFamily="34" charset="0"/>
+            </a:endParaRPr>
+          </a:p>
+        </p:txBody>
+      </p:sp>
+    </p:spTree>
+    <p:extLst>
+      <p:ext uri="{BB962C8B-B14F-4D97-AF65-F5344CB8AC3E}">
+        <p14:creationId xmlns:p14="http://schemas.microsoft.com/office/powerpoint/2010/main" val="3641306024"/>
+      </p:ext>
+    </p:extLst>
+  </p:cSld>
+  <p:clrMapOvr>
+    <a:masterClrMapping/>
+  </p:clrMapOvr>
+</p:sld>
+</file>
+
+<file path=ppt/slides/slide4.xml><?xml version="1.0" encoding="utf-8"?>
 <p:sld xmlns:a="http://schemas.openxmlformats.org/drawingml/2006/main" xmlns:r="http://schemas.openxmlformats.org/officeDocument/2006/relationships" xmlns:p="http://schemas.openxmlformats.org/presentationml/2006/main">
   <p:cSld>
     <p:spTree>
